--- a/Lab3-24-puzzle/Slide.pptx
+++ b/Lab3-24-puzzle/Slide.pptx
@@ -5,10 +5,10 @@
     <p:sldMasterId id="2147483732" r:id="rId1"/>
   </p:sldMasterIdLst>
   <p:notesMasterIdLst>
-    <p:notesMasterId r:id="rId26"/>
+    <p:notesMasterId r:id="rId25"/>
   </p:notesMasterIdLst>
   <p:handoutMasterIdLst>
-    <p:handoutMasterId r:id="rId27"/>
+    <p:handoutMasterId r:id="rId26"/>
   </p:handoutMasterIdLst>
   <p:sldIdLst>
     <p:sldId id="256" r:id="rId2"/>
@@ -32,9 +32,8 @@
     <p:sldId id="274" r:id="rId20"/>
     <p:sldId id="275" r:id="rId21"/>
     <p:sldId id="279" r:id="rId22"/>
-    <p:sldId id="280" r:id="rId23"/>
-    <p:sldId id="278" r:id="rId24"/>
-    <p:sldId id="277" r:id="rId25"/>
+    <p:sldId id="278" r:id="rId23"/>
+    <p:sldId id="277" r:id="rId24"/>
   </p:sldIdLst>
   <p:sldSz cx="12188825" cy="6858000"/>
   <p:notesSz cx="6858000" cy="9144000"/>
@@ -256,7 +255,7 @@
                 <a:latin typeface="Microsoft YaHei UI" panose="020B0503020204020204" pitchFamily="34" charset="-122"/>
                 <a:ea typeface="Microsoft YaHei UI" panose="020B0503020204020204" pitchFamily="34" charset="-122"/>
               </a:rPr>
-              <a:t>2018.5.31</a:t>
+              <a:t>2018.6.14</a:t>
             </a:fld>
             <a:endParaRPr lang="zh-CN" altLang="en-US" dirty="0">
               <a:latin typeface="Microsoft YaHei UI" panose="020B0503020204020204" pitchFamily="34" charset="-122"/>
@@ -442,7 +441,7 @@
             <a:fld id="{E79AF599-AE6F-4E1C-94D1-C707F302C5B5}" type="datetime1">
               <a:rPr lang="zh-CN" altLang="en-US" smtClean="0"/>
               <a:pPr/>
-              <a:t>2018.5.31</a:t>
+              <a:t>2018.6.14</a:t>
             </a:fld>
             <a:endParaRPr lang="zh-CN" altLang="en-US" dirty="0"/>
           </a:p>
@@ -993,7 +992,7 @@
           <a:p>
             <a:fld id="{4BDF68E2-58F2-4D09-BE8B-E3BD06533059}" type="datetimeFigureOut">
               <a:rPr lang="en-US" smtClean="0"/>
-              <a:t>5/31/2018</a:t>
+              <a:t>6/14/2018</a:t>
             </a:fld>
             <a:endParaRPr lang="en-US" dirty="0"/>
           </a:p>
@@ -1441,7 +1440,7 @@
           <a:p>
             <a:fld id="{2F03606D-7858-4AA2-9E18-693315C12F6C}" type="datetime1">
               <a:rPr lang="zh-CN" altLang="en-US" noProof="0" smtClean="0"/>
-              <a:t>2018.5.31</a:t>
+              <a:t>2018.6.14</a:t>
             </a:fld>
             <a:endParaRPr lang="zh-CN" altLang="en-US" noProof="0" dirty="0"/>
           </a:p>
@@ -1693,7 +1692,7 @@
           <a:p>
             <a:fld id="{2F03606D-7858-4AA2-9E18-693315C12F6C}" type="datetime1">
               <a:rPr lang="zh-CN" altLang="en-US" noProof="0" smtClean="0"/>
-              <a:t>2018.5.31</a:t>
+              <a:t>2018.6.14</a:t>
             </a:fld>
             <a:endParaRPr lang="zh-CN" altLang="en-US" noProof="0" dirty="0"/>
           </a:p>
@@ -2003,7 +2002,7 @@
           <a:p>
             <a:fld id="{2F03606D-7858-4AA2-9E18-693315C12F6C}" type="datetime1">
               <a:rPr lang="zh-CN" altLang="en-US" noProof="0" smtClean="0"/>
-              <a:t>2018.5.31</a:t>
+              <a:t>2018.6.14</a:t>
             </a:fld>
             <a:endParaRPr lang="zh-CN" altLang="en-US" noProof="0" dirty="0"/>
           </a:p>
@@ -2323,7 +2322,7 @@
           <a:p>
             <a:fld id="{2F03606D-7858-4AA2-9E18-693315C12F6C}" type="datetime1">
               <a:rPr lang="zh-CN" altLang="en-US" noProof="0" smtClean="0"/>
-              <a:t>2018.5.31</a:t>
+              <a:t>2018.6.14</a:t>
             </a:fld>
             <a:endParaRPr lang="zh-CN" altLang="en-US" noProof="0" dirty="0"/>
           </a:p>
@@ -2627,7 +2626,7 @@
           <a:p>
             <a:fld id="{2F03606D-7858-4AA2-9E18-693315C12F6C}" type="datetime1">
               <a:rPr lang="zh-CN" altLang="en-US" noProof="0" smtClean="0"/>
-              <a:t>2018.5.31</a:t>
+              <a:t>2018.6.14</a:t>
             </a:fld>
             <a:endParaRPr lang="zh-CN" altLang="en-US" noProof="0" dirty="0"/>
           </a:p>
@@ -2996,7 +2995,7 @@
           <a:p>
             <a:fld id="{2F03606D-7858-4AA2-9E18-693315C12F6C}" type="datetime1">
               <a:rPr lang="zh-CN" altLang="en-US" noProof="0" smtClean="0"/>
-              <a:t>2018.5.31</a:t>
+              <a:t>2018.6.14</a:t>
             </a:fld>
             <a:endParaRPr lang="zh-CN" altLang="en-US" noProof="0" dirty="0"/>
           </a:p>
@@ -3172,7 +3171,7 @@
           <a:p>
             <a:fld id="{6FACF6A5-CA30-4724-8A74-55B65EA2DB8E}" type="datetime1">
               <a:rPr lang="zh-CN" altLang="en-US" smtClean="0"/>
-              <a:t>2018.5.31</a:t>
+              <a:t>2018.6.14</a:t>
             </a:fld>
             <a:endParaRPr lang="zh-CN" altLang="en-US" dirty="0"/>
           </a:p>
@@ -3365,7 +3364,7 @@
           <a:p>
             <a:fld id="{2F03606D-7858-4AA2-9E18-693315C12F6C}" type="datetime1">
               <a:rPr lang="zh-CN" altLang="en-US" noProof="0" smtClean="0"/>
-              <a:t>2018.5.31</a:t>
+              <a:t>2018.6.14</a:t>
             </a:fld>
             <a:endParaRPr lang="zh-CN" altLang="en-US" noProof="0" dirty="0"/>
           </a:p>
@@ -3537,7 +3536,7 @@
           <a:p>
             <a:fld id="{CAAE51B8-C16C-4D58-B4E7-426249342FB6}" type="datetime1">
               <a:rPr lang="zh-CN" altLang="en-US" smtClean="0"/>
-              <a:t>2018.5.31</a:t>
+              <a:t>2018.6.14</a:t>
             </a:fld>
             <a:endParaRPr lang="zh-CN" altLang="en-US" dirty="0"/>
           </a:p>
@@ -3800,7 +3799,7 @@
           <a:p>
             <a:fld id="{1E642744-2BC1-482F-8D65-D67812FCF761}" type="datetime1">
               <a:rPr lang="zh-CN" altLang="en-US" smtClean="0"/>
-              <a:t>2018.5.31</a:t>
+              <a:t>2018.6.14</a:t>
             </a:fld>
             <a:endParaRPr lang="zh-CN" altLang="en-US" dirty="0"/>
           </a:p>
@@ -4049,7 +4048,7 @@
           <a:p>
             <a:fld id="{957C6E4D-621D-4515-8831-14D98E9F728C}" type="datetime1">
               <a:rPr lang="zh-CN" altLang="en-US" smtClean="0"/>
-              <a:t>2018.5.31</a:t>
+              <a:t>2018.6.14</a:t>
             </a:fld>
             <a:endParaRPr lang="zh-CN" altLang="en-US" dirty="0"/>
           </a:p>
@@ -4444,7 +4443,7 @@
           <a:p>
             <a:fld id="{F0157F41-EA24-4D6C-B76B-51104A4FF3D3}" type="datetime1">
               <a:rPr lang="zh-CN" altLang="en-US" smtClean="0"/>
-              <a:t>2018.5.31</a:t>
+              <a:t>2018.6.14</a:t>
             </a:fld>
             <a:endParaRPr lang="zh-CN" altLang="en-US" dirty="0"/>
           </a:p>
@@ -4575,7 +4574,7 @@
           <a:p>
             <a:fld id="{641E27CD-26C5-4927-9077-9E87DDF8ECF7}" type="datetime1">
               <a:rPr lang="zh-CN" altLang="en-US" smtClean="0"/>
-              <a:t>2018.5.31</a:t>
+              <a:t>2018.6.14</a:t>
             </a:fld>
             <a:endParaRPr lang="zh-CN" altLang="en-US" dirty="0"/>
           </a:p>
@@ -4684,7 +4683,7 @@
             <a:pPr rtl="0"/>
             <a:fld id="{6DE0B1C2-D5D7-4DF1-B631-6247EDFA3201}" type="datetime1">
               <a:rPr lang="zh-CN" altLang="en-US" noProof="0" smtClean="0"/>
-              <a:t>2018.5.31</a:t>
+              <a:t>2018.6.14</a:t>
             </a:fld>
             <a:endParaRPr lang="zh-CN" altLang="en-US" noProof="0" dirty="0"/>
           </a:p>
@@ -4953,7 +4952,7 @@
           <a:p>
             <a:fld id="{2F03606D-7858-4AA2-9E18-693315C12F6C}" type="datetime1">
               <a:rPr lang="zh-CN" altLang="en-US" noProof="0" smtClean="0"/>
-              <a:t>2018.5.31</a:t>
+              <a:t>2018.6.14</a:t>
             </a:fld>
             <a:endParaRPr lang="zh-CN" altLang="en-US" noProof="0" dirty="0"/>
           </a:p>
@@ -5238,7 +5237,7 @@
           <a:p>
             <a:fld id="{2F03606D-7858-4AA2-9E18-693315C12F6C}" type="datetime1">
               <a:rPr lang="zh-CN" altLang="en-US" noProof="0" smtClean="0"/>
-              <a:t>2018.5.31</a:t>
+              <a:t>2018.6.14</a:t>
             </a:fld>
             <a:endParaRPr lang="zh-CN" altLang="en-US" noProof="0" dirty="0"/>
           </a:p>
@@ -5646,7 +5645,7 @@
           <a:p>
             <a:fld id="{2F03606D-7858-4AA2-9E18-693315C12F6C}" type="datetime1">
               <a:rPr lang="zh-CN" altLang="en-US" noProof="0" smtClean="0"/>
-              <a:t>2018.5.31</a:t>
+              <a:t>2018.6.14</a:t>
             </a:fld>
             <a:endParaRPr lang="zh-CN" altLang="en-US" noProof="0" dirty="0"/>
           </a:p>
@@ -8928,150 +8927,6 @@
           <a:lstStyle/>
           <a:p>
             <a:r>
-              <a:rPr lang="en-US" altLang="zh-CN" sz="3600" dirty="0">
-                <a:solidFill>
-                  <a:schemeClr val="bg2">
-                    <a:lumMod val="20000"/>
-                    <a:lumOff val="80000"/>
-                  </a:schemeClr>
-                </a:solidFill>
-                <a:latin typeface="Arial Rounded MT Bold" panose="020F0704030504030204" pitchFamily="34" charset="0"/>
-              </a:rPr>
-              <a:t>Experiment</a:t>
-            </a:r>
-            <a:endParaRPr lang="zh-CN" altLang="en-US" sz="3600" dirty="0">
-              <a:solidFill>
-                <a:schemeClr val="bg2">
-                  <a:lumMod val="20000"/>
-                  <a:lumOff val="80000"/>
-                </a:schemeClr>
-              </a:solidFill>
-              <a:latin typeface="Arial Rounded MT Bold" panose="020F0704030504030204" pitchFamily="34" charset="0"/>
-            </a:endParaRPr>
-          </a:p>
-        </p:txBody>
-      </p:sp>
-      <p:sp>
-        <p:nvSpPr>
-          <p:cNvPr id="3" name="内容占位符 2">
-            <a:extLst>
-              <a:ext uri="{FF2B5EF4-FFF2-40B4-BE49-F238E27FC236}">
-                <a16:creationId xmlns:a16="http://schemas.microsoft.com/office/drawing/2014/main" id="{D994168F-637B-4BCE-B742-9E5EBC4C7DA5}"/>
-              </a:ext>
-            </a:extLst>
-          </p:cNvPr>
-          <p:cNvSpPr>
-            <a:spLocks noGrp="1"/>
-          </p:cNvSpPr>
-          <p:nvPr>
-            <p:ph idx="1"/>
-          </p:nvPr>
-        </p:nvSpPr>
-        <p:spPr>
-          <a:xfrm>
-            <a:off x="837981" y="2060848"/>
-            <a:ext cx="10512862" cy="4165326"/>
-          </a:xfrm>
-        </p:spPr>
-        <p:txBody>
-          <a:bodyPr>
-            <a:normAutofit/>
-          </a:bodyPr>
-          <a:lstStyle/>
-          <a:p>
-            <a:endParaRPr lang="en-US" altLang="zh-CN" sz="3200" dirty="0">
-              <a:solidFill>
-                <a:schemeClr val="bg2">
-                  <a:lumMod val="20000"/>
-                  <a:lumOff val="80000"/>
-                </a:schemeClr>
-              </a:solidFill>
-              <a:latin typeface="Arial Rounded MT Bold" panose="020F0704030504030204" pitchFamily="34" charset="0"/>
-            </a:endParaRPr>
-          </a:p>
-        </p:txBody>
-      </p:sp>
-    </p:spTree>
-    <p:extLst>
-      <p:ext uri="{BB962C8B-B14F-4D97-AF65-F5344CB8AC3E}">
-        <p14:creationId xmlns:p14="http://schemas.microsoft.com/office/powerpoint/2010/main" val="1819300439"/>
-      </p:ext>
-    </p:extLst>
-  </p:cSld>
-  <p:clrMapOvr>
-    <a:masterClrMapping/>
-  </p:clrMapOvr>
-  <mc:AlternateContent xmlns:mc="http://schemas.openxmlformats.org/markup-compatibility/2006" xmlns:p14="http://schemas.microsoft.com/office/powerpoint/2010/main">
-    <mc:Choice Requires="p14">
-      <p:transition spd="med" p14:dur="700">
-        <p:fade/>
-      </p:transition>
-    </mc:Choice>
-    <mc:Fallback xmlns="">
-      <p:transition spd="med">
-        <p:fade/>
-      </p:transition>
-    </mc:Fallback>
-  </mc:AlternateContent>
-</p:sld>
-</file>
-
-<file path=ppt/slides/slide23.xml><?xml version="1.0" encoding="utf-8"?>
-<p:sld xmlns:a="http://schemas.openxmlformats.org/drawingml/2006/main" xmlns:r="http://schemas.openxmlformats.org/officeDocument/2006/relationships" xmlns:p="http://schemas.openxmlformats.org/presentationml/2006/main">
-  <p:cSld>
-    <p:bg>
-      <p:bgPr>
-        <a:solidFill>
-          <a:schemeClr val="bg2">
-            <a:lumMod val="75000"/>
-          </a:schemeClr>
-        </a:solidFill>
-        <a:effectLst/>
-      </p:bgPr>
-    </p:bg>
-    <p:spTree>
-      <p:nvGrpSpPr>
-        <p:cNvPr id="1" name=""/>
-        <p:cNvGrpSpPr/>
-        <p:nvPr/>
-      </p:nvGrpSpPr>
-      <p:grpSpPr>
-        <a:xfrm>
-          <a:off x="0" y="0"/>
-          <a:ext cx="0" cy="0"/>
-          <a:chOff x="0" y="0"/>
-          <a:chExt cx="0" cy="0"/>
-        </a:xfrm>
-      </p:grpSpPr>
-      <p:sp>
-        <p:nvSpPr>
-          <p:cNvPr id="2" name="标题 1">
-            <a:extLst>
-              <a:ext uri="{FF2B5EF4-FFF2-40B4-BE49-F238E27FC236}">
-                <a16:creationId xmlns:a16="http://schemas.microsoft.com/office/drawing/2014/main" id="{7AEA588C-185F-4916-B43B-E12E44721C64}"/>
-              </a:ext>
-            </a:extLst>
-          </p:cNvPr>
-          <p:cNvSpPr>
-            <a:spLocks noGrp="1"/>
-          </p:cNvSpPr>
-          <p:nvPr>
-            <p:ph type="title"/>
-          </p:nvPr>
-        </p:nvSpPr>
-        <p:spPr>
-          <a:xfrm>
-            <a:off x="837981" y="631825"/>
-            <a:ext cx="10512862" cy="1325563"/>
-          </a:xfrm>
-        </p:spPr>
-        <p:txBody>
-          <a:bodyPr>
-            <a:normAutofit/>
-          </a:bodyPr>
-          <a:lstStyle/>
-          <a:p>
-            <a:r>
               <a:rPr lang="en-US" altLang="zh-CN" dirty="0">
                 <a:solidFill>
                   <a:schemeClr val="bg2">
@@ -9260,7 +9115,7 @@
 </p:sld>
 </file>
 
-<file path=ppt/slides/slide24.xml><?xml version="1.0" encoding="utf-8"?>
+<file path=ppt/slides/slide23.xml><?xml version="1.0" encoding="utf-8"?>
 <p:sld xmlns:a="http://schemas.openxmlformats.org/drawingml/2006/main" xmlns:r="http://schemas.openxmlformats.org/officeDocument/2006/relationships" xmlns:p="http://schemas.openxmlformats.org/presentationml/2006/main">
   <p:cSld>
     <p:bg>
